--- a/algo.pptx
+++ b/algo.pptx
@@ -104,6 +104,11 @@
       </a:defRPr>
     </a:lvl9pPr>
   </p:defaultTextStyle>
+  <p:extLst>
+    <p:ext uri="{EFAFB233-063F-42B5-8137-9DF3F51BA10A}">
+      <p15:sldGuideLst xmlns:p15="http://schemas.microsoft.com/office/powerpoint/2012/main"/>
+    </p:ext>
+  </p:extLst>
 </p:presentation>
 </file>
 
@@ -149,10 +154,9 @@
           </a:lstStyle>
           <a:p>
             <a:r>
-              <a:rPr lang="en-US" smtClean="0"/>
+              <a:rPr lang="en-US"/>
               <a:t>Click to edit Master title style</a:t>
             </a:r>
-            <a:endParaRPr lang="en-US"/>
           </a:p>
         </p:txBody>
       </p:sp>
@@ -214,10 +218,9 @@
           </a:lstStyle>
           <a:p>
             <a:r>
-              <a:rPr lang="en-US" smtClean="0"/>
+              <a:rPr lang="en-US"/>
               <a:t>Click to edit Master subtitle style</a:t>
             </a:r>
-            <a:endParaRPr lang="en-US"/>
           </a:p>
         </p:txBody>
       </p:sp>
@@ -238,7 +241,7 @@
           <a:p>
             <a:fld id="{ACEC195F-A83E-4C03-A88F-B02116A75498}" type="datetimeFigureOut">
               <a:rPr lang="en-US" smtClean="0"/>
-              <a:t>4/18/2023</a:t>
+              <a:t>4/19/2023</a:t>
             </a:fld>
             <a:endParaRPr lang="en-US"/>
           </a:p>
@@ -332,10 +335,9 @@
           <a:lstStyle/>
           <a:p>
             <a:r>
-              <a:rPr lang="en-US" smtClean="0"/>
+              <a:rPr lang="en-US"/>
               <a:t>Click to edit Master title style</a:t>
             </a:r>
-            <a:endParaRPr lang="en-US"/>
           </a:p>
         </p:txBody>
       </p:sp>
@@ -356,38 +358,37 @@
           <a:p>
             <a:pPr lvl="0"/>
             <a:r>
-              <a:rPr lang="en-US" smtClean="0"/>
+              <a:rPr lang="en-US"/>
               <a:t>Edit Master text styles</a:t>
             </a:r>
           </a:p>
           <a:p>
             <a:pPr lvl="1"/>
             <a:r>
-              <a:rPr lang="en-US" smtClean="0"/>
+              <a:rPr lang="en-US"/>
               <a:t>Second level</a:t>
             </a:r>
           </a:p>
           <a:p>
             <a:pPr lvl="2"/>
             <a:r>
-              <a:rPr lang="en-US" smtClean="0"/>
+              <a:rPr lang="en-US"/>
               <a:t>Third level</a:t>
             </a:r>
           </a:p>
           <a:p>
             <a:pPr lvl="3"/>
             <a:r>
-              <a:rPr lang="en-US" smtClean="0"/>
+              <a:rPr lang="en-US"/>
               <a:t>Fourth level</a:t>
             </a:r>
           </a:p>
           <a:p>
             <a:pPr lvl="4"/>
             <a:r>
-              <a:rPr lang="en-US" smtClean="0"/>
+              <a:rPr lang="en-US"/>
               <a:t>Fifth level</a:t>
             </a:r>
-            <a:endParaRPr lang="en-US"/>
           </a:p>
         </p:txBody>
       </p:sp>
@@ -408,7 +409,7 @@
           <a:p>
             <a:fld id="{ACEC195F-A83E-4C03-A88F-B02116A75498}" type="datetimeFigureOut">
               <a:rPr lang="en-US" smtClean="0"/>
-              <a:t>4/18/2023</a:t>
+              <a:t>4/19/2023</a:t>
             </a:fld>
             <a:endParaRPr lang="en-US"/>
           </a:p>
@@ -507,10 +508,9 @@
           <a:lstStyle/>
           <a:p>
             <a:r>
-              <a:rPr lang="en-US" smtClean="0"/>
+              <a:rPr lang="en-US"/>
               <a:t>Click to edit Master title style</a:t>
             </a:r>
-            <a:endParaRPr lang="en-US"/>
           </a:p>
         </p:txBody>
       </p:sp>
@@ -536,38 +536,37 @@
           <a:p>
             <a:pPr lvl="0"/>
             <a:r>
-              <a:rPr lang="en-US" smtClean="0"/>
+              <a:rPr lang="en-US"/>
               <a:t>Edit Master text styles</a:t>
             </a:r>
           </a:p>
           <a:p>
             <a:pPr lvl="1"/>
             <a:r>
-              <a:rPr lang="en-US" smtClean="0"/>
+              <a:rPr lang="en-US"/>
               <a:t>Second level</a:t>
             </a:r>
           </a:p>
           <a:p>
             <a:pPr lvl="2"/>
             <a:r>
-              <a:rPr lang="en-US" smtClean="0"/>
+              <a:rPr lang="en-US"/>
               <a:t>Third level</a:t>
             </a:r>
           </a:p>
           <a:p>
             <a:pPr lvl="3"/>
             <a:r>
-              <a:rPr lang="en-US" smtClean="0"/>
+              <a:rPr lang="en-US"/>
               <a:t>Fourth level</a:t>
             </a:r>
           </a:p>
           <a:p>
             <a:pPr lvl="4"/>
             <a:r>
-              <a:rPr lang="en-US" smtClean="0"/>
+              <a:rPr lang="en-US"/>
               <a:t>Fifth level</a:t>
             </a:r>
-            <a:endParaRPr lang="en-US"/>
           </a:p>
         </p:txBody>
       </p:sp>
@@ -588,7 +587,7 @@
           <a:p>
             <a:fld id="{ACEC195F-A83E-4C03-A88F-B02116A75498}" type="datetimeFigureOut">
               <a:rPr lang="en-US" smtClean="0"/>
-              <a:t>4/18/2023</a:t>
+              <a:t>4/19/2023</a:t>
             </a:fld>
             <a:endParaRPr lang="en-US"/>
           </a:p>
@@ -682,10 +681,9 @@
           <a:lstStyle/>
           <a:p>
             <a:r>
-              <a:rPr lang="en-US" smtClean="0"/>
+              <a:rPr lang="en-US"/>
               <a:t>Click to edit Master title style</a:t>
             </a:r>
-            <a:endParaRPr lang="en-US"/>
           </a:p>
         </p:txBody>
       </p:sp>
@@ -706,38 +704,37 @@
           <a:p>
             <a:pPr lvl="0"/>
             <a:r>
-              <a:rPr lang="en-US" smtClean="0"/>
+              <a:rPr lang="en-US"/>
               <a:t>Edit Master text styles</a:t>
             </a:r>
           </a:p>
           <a:p>
             <a:pPr lvl="1"/>
             <a:r>
-              <a:rPr lang="en-US" smtClean="0"/>
+              <a:rPr lang="en-US"/>
               <a:t>Second level</a:t>
             </a:r>
           </a:p>
           <a:p>
             <a:pPr lvl="2"/>
             <a:r>
-              <a:rPr lang="en-US" smtClean="0"/>
+              <a:rPr lang="en-US"/>
               <a:t>Third level</a:t>
             </a:r>
           </a:p>
           <a:p>
             <a:pPr lvl="3"/>
             <a:r>
-              <a:rPr lang="en-US" smtClean="0"/>
+              <a:rPr lang="en-US"/>
               <a:t>Fourth level</a:t>
             </a:r>
           </a:p>
           <a:p>
             <a:pPr lvl="4"/>
             <a:r>
-              <a:rPr lang="en-US" smtClean="0"/>
+              <a:rPr lang="en-US"/>
               <a:t>Fifth level</a:t>
             </a:r>
-            <a:endParaRPr lang="en-US"/>
           </a:p>
         </p:txBody>
       </p:sp>
@@ -758,7 +755,7 @@
           <a:p>
             <a:fld id="{ACEC195F-A83E-4C03-A88F-B02116A75498}" type="datetimeFigureOut">
               <a:rPr lang="en-US" smtClean="0"/>
-              <a:t>4/18/2023</a:t>
+              <a:t>4/19/2023</a:t>
             </a:fld>
             <a:endParaRPr lang="en-US"/>
           </a:p>
@@ -861,10 +858,9 @@
           </a:lstStyle>
           <a:p>
             <a:r>
-              <a:rPr lang="en-US" smtClean="0"/>
+              <a:rPr lang="en-US"/>
               <a:t>Click to edit Master title style</a:t>
             </a:r>
-            <a:endParaRPr lang="en-US"/>
           </a:p>
         </p:txBody>
       </p:sp>
@@ -981,7 +977,7 @@
           <a:p>
             <a:pPr lvl="0"/>
             <a:r>
-              <a:rPr lang="en-US" smtClean="0"/>
+              <a:rPr lang="en-US"/>
               <a:t>Edit Master text styles</a:t>
             </a:r>
           </a:p>
@@ -1004,7 +1000,7 @@
           <a:p>
             <a:fld id="{ACEC195F-A83E-4C03-A88F-B02116A75498}" type="datetimeFigureOut">
               <a:rPr lang="en-US" smtClean="0"/>
-              <a:t>4/18/2023</a:t>
+              <a:t>4/19/2023</a:t>
             </a:fld>
             <a:endParaRPr lang="en-US"/>
           </a:p>
@@ -1098,10 +1094,9 @@
           <a:lstStyle/>
           <a:p>
             <a:r>
-              <a:rPr lang="en-US" smtClean="0"/>
+              <a:rPr lang="en-US"/>
               <a:t>Click to edit Master title style</a:t>
             </a:r>
-            <a:endParaRPr lang="en-US"/>
           </a:p>
         </p:txBody>
       </p:sp>
@@ -1127,38 +1122,37 @@
           <a:p>
             <a:pPr lvl="0"/>
             <a:r>
-              <a:rPr lang="en-US" smtClean="0"/>
+              <a:rPr lang="en-US"/>
               <a:t>Edit Master text styles</a:t>
             </a:r>
           </a:p>
           <a:p>
             <a:pPr lvl="1"/>
             <a:r>
-              <a:rPr lang="en-US" smtClean="0"/>
+              <a:rPr lang="en-US"/>
               <a:t>Second level</a:t>
             </a:r>
           </a:p>
           <a:p>
             <a:pPr lvl="2"/>
             <a:r>
-              <a:rPr lang="en-US" smtClean="0"/>
+              <a:rPr lang="en-US"/>
               <a:t>Third level</a:t>
             </a:r>
           </a:p>
           <a:p>
             <a:pPr lvl="3"/>
             <a:r>
-              <a:rPr lang="en-US" smtClean="0"/>
+              <a:rPr lang="en-US"/>
               <a:t>Fourth level</a:t>
             </a:r>
           </a:p>
           <a:p>
             <a:pPr lvl="4"/>
             <a:r>
-              <a:rPr lang="en-US" smtClean="0"/>
+              <a:rPr lang="en-US"/>
               <a:t>Fifth level</a:t>
             </a:r>
-            <a:endParaRPr lang="en-US"/>
           </a:p>
         </p:txBody>
       </p:sp>
@@ -1184,38 +1178,37 @@
           <a:p>
             <a:pPr lvl="0"/>
             <a:r>
-              <a:rPr lang="en-US" smtClean="0"/>
+              <a:rPr lang="en-US"/>
               <a:t>Edit Master text styles</a:t>
             </a:r>
           </a:p>
           <a:p>
             <a:pPr lvl="1"/>
             <a:r>
-              <a:rPr lang="en-US" smtClean="0"/>
+              <a:rPr lang="en-US"/>
               <a:t>Second level</a:t>
             </a:r>
           </a:p>
           <a:p>
             <a:pPr lvl="2"/>
             <a:r>
-              <a:rPr lang="en-US" smtClean="0"/>
+              <a:rPr lang="en-US"/>
               <a:t>Third level</a:t>
             </a:r>
           </a:p>
           <a:p>
             <a:pPr lvl="3"/>
             <a:r>
-              <a:rPr lang="en-US" smtClean="0"/>
+              <a:rPr lang="en-US"/>
               <a:t>Fourth level</a:t>
             </a:r>
           </a:p>
           <a:p>
             <a:pPr lvl="4"/>
             <a:r>
-              <a:rPr lang="en-US" smtClean="0"/>
+              <a:rPr lang="en-US"/>
               <a:t>Fifth level</a:t>
             </a:r>
-            <a:endParaRPr lang="en-US"/>
           </a:p>
         </p:txBody>
       </p:sp>
@@ -1236,7 +1229,7 @@
           <a:p>
             <a:fld id="{ACEC195F-A83E-4C03-A88F-B02116A75498}" type="datetimeFigureOut">
               <a:rPr lang="en-US" smtClean="0"/>
-              <a:t>4/18/2023</a:t>
+              <a:t>4/19/2023</a:t>
             </a:fld>
             <a:endParaRPr lang="en-US"/>
           </a:p>
@@ -1335,10 +1328,9 @@
           <a:lstStyle/>
           <a:p>
             <a:r>
-              <a:rPr lang="en-US" smtClean="0"/>
+              <a:rPr lang="en-US"/>
               <a:t>Click to edit Master title style</a:t>
             </a:r>
-            <a:endParaRPr lang="en-US"/>
           </a:p>
         </p:txBody>
       </p:sp>
@@ -1401,7 +1393,7 @@
           <a:p>
             <a:pPr lvl="0"/>
             <a:r>
-              <a:rPr lang="en-US" smtClean="0"/>
+              <a:rPr lang="en-US"/>
               <a:t>Edit Master text styles</a:t>
             </a:r>
           </a:p>
@@ -1429,38 +1421,37 @@
           <a:p>
             <a:pPr lvl="0"/>
             <a:r>
-              <a:rPr lang="en-US" smtClean="0"/>
+              <a:rPr lang="en-US"/>
               <a:t>Edit Master text styles</a:t>
             </a:r>
           </a:p>
           <a:p>
             <a:pPr lvl="1"/>
             <a:r>
-              <a:rPr lang="en-US" smtClean="0"/>
+              <a:rPr lang="en-US"/>
               <a:t>Second level</a:t>
             </a:r>
           </a:p>
           <a:p>
             <a:pPr lvl="2"/>
             <a:r>
-              <a:rPr lang="en-US" smtClean="0"/>
+              <a:rPr lang="en-US"/>
               <a:t>Third level</a:t>
             </a:r>
           </a:p>
           <a:p>
             <a:pPr lvl="3"/>
             <a:r>
-              <a:rPr lang="en-US" smtClean="0"/>
+              <a:rPr lang="en-US"/>
               <a:t>Fourth level</a:t>
             </a:r>
           </a:p>
           <a:p>
             <a:pPr lvl="4"/>
             <a:r>
-              <a:rPr lang="en-US" smtClean="0"/>
+              <a:rPr lang="en-US"/>
               <a:t>Fifth level</a:t>
             </a:r>
-            <a:endParaRPr lang="en-US"/>
           </a:p>
         </p:txBody>
       </p:sp>
@@ -1523,7 +1514,7 @@
           <a:p>
             <a:pPr lvl="0"/>
             <a:r>
-              <a:rPr lang="en-US" smtClean="0"/>
+              <a:rPr lang="en-US"/>
               <a:t>Edit Master text styles</a:t>
             </a:r>
           </a:p>
@@ -1551,38 +1542,37 @@
           <a:p>
             <a:pPr lvl="0"/>
             <a:r>
-              <a:rPr lang="en-US" smtClean="0"/>
+              <a:rPr lang="en-US"/>
               <a:t>Edit Master text styles</a:t>
             </a:r>
           </a:p>
           <a:p>
             <a:pPr lvl="1"/>
             <a:r>
-              <a:rPr lang="en-US" smtClean="0"/>
+              <a:rPr lang="en-US"/>
               <a:t>Second level</a:t>
             </a:r>
           </a:p>
           <a:p>
             <a:pPr lvl="2"/>
             <a:r>
-              <a:rPr lang="en-US" smtClean="0"/>
+              <a:rPr lang="en-US"/>
               <a:t>Third level</a:t>
             </a:r>
           </a:p>
           <a:p>
             <a:pPr lvl="3"/>
             <a:r>
-              <a:rPr lang="en-US" smtClean="0"/>
+              <a:rPr lang="en-US"/>
               <a:t>Fourth level</a:t>
             </a:r>
           </a:p>
           <a:p>
             <a:pPr lvl="4"/>
             <a:r>
-              <a:rPr lang="en-US" smtClean="0"/>
+              <a:rPr lang="en-US"/>
               <a:t>Fifth level</a:t>
             </a:r>
-            <a:endParaRPr lang="en-US"/>
           </a:p>
         </p:txBody>
       </p:sp>
@@ -1603,7 +1593,7 @@
           <a:p>
             <a:fld id="{ACEC195F-A83E-4C03-A88F-B02116A75498}" type="datetimeFigureOut">
               <a:rPr lang="en-US" smtClean="0"/>
-              <a:t>4/18/2023</a:t>
+              <a:t>4/19/2023</a:t>
             </a:fld>
             <a:endParaRPr lang="en-US"/>
           </a:p>
@@ -1697,10 +1687,9 @@
           <a:lstStyle/>
           <a:p>
             <a:r>
-              <a:rPr lang="en-US" smtClean="0"/>
+              <a:rPr lang="en-US"/>
               <a:t>Click to edit Master title style</a:t>
             </a:r>
-            <a:endParaRPr lang="en-US"/>
           </a:p>
         </p:txBody>
       </p:sp>
@@ -1721,7 +1710,7 @@
           <a:p>
             <a:fld id="{ACEC195F-A83E-4C03-A88F-B02116A75498}" type="datetimeFigureOut">
               <a:rPr lang="en-US" smtClean="0"/>
-              <a:t>4/18/2023</a:t>
+              <a:t>4/19/2023</a:t>
             </a:fld>
             <a:endParaRPr lang="en-US"/>
           </a:p>
@@ -1816,7 +1805,7 @@
           <a:p>
             <a:fld id="{ACEC195F-A83E-4C03-A88F-B02116A75498}" type="datetimeFigureOut">
               <a:rPr lang="en-US" smtClean="0"/>
-              <a:t>4/18/2023</a:t>
+              <a:t>4/19/2023</a:t>
             </a:fld>
             <a:endParaRPr lang="en-US"/>
           </a:p>
@@ -1919,10 +1908,9 @@
           </a:lstStyle>
           <a:p>
             <a:r>
-              <a:rPr lang="en-US" smtClean="0"/>
+              <a:rPr lang="en-US"/>
               <a:t>Click to edit Master title style</a:t>
             </a:r>
-            <a:endParaRPr lang="en-US"/>
           </a:p>
         </p:txBody>
       </p:sp>
@@ -1976,38 +1964,37 @@
           <a:p>
             <a:pPr lvl="0"/>
             <a:r>
-              <a:rPr lang="en-US" smtClean="0"/>
+              <a:rPr lang="en-US"/>
               <a:t>Edit Master text styles</a:t>
             </a:r>
           </a:p>
           <a:p>
             <a:pPr lvl="1"/>
             <a:r>
-              <a:rPr lang="en-US" smtClean="0"/>
+              <a:rPr lang="en-US"/>
               <a:t>Second level</a:t>
             </a:r>
           </a:p>
           <a:p>
             <a:pPr lvl="2"/>
             <a:r>
-              <a:rPr lang="en-US" smtClean="0"/>
+              <a:rPr lang="en-US"/>
               <a:t>Third level</a:t>
             </a:r>
           </a:p>
           <a:p>
             <a:pPr lvl="3"/>
             <a:r>
-              <a:rPr lang="en-US" smtClean="0"/>
+              <a:rPr lang="en-US"/>
               <a:t>Fourth level</a:t>
             </a:r>
           </a:p>
           <a:p>
             <a:pPr lvl="4"/>
             <a:r>
-              <a:rPr lang="en-US" smtClean="0"/>
+              <a:rPr lang="en-US"/>
               <a:t>Fifth level</a:t>
             </a:r>
-            <a:endParaRPr lang="en-US"/>
           </a:p>
         </p:txBody>
       </p:sp>
@@ -2070,7 +2057,7 @@
           <a:p>
             <a:pPr lvl="0"/>
             <a:r>
-              <a:rPr lang="en-US" smtClean="0"/>
+              <a:rPr lang="en-US"/>
               <a:t>Edit Master text styles</a:t>
             </a:r>
           </a:p>
@@ -2093,7 +2080,7 @@
           <a:p>
             <a:fld id="{ACEC195F-A83E-4C03-A88F-B02116A75498}" type="datetimeFigureOut">
               <a:rPr lang="en-US" smtClean="0"/>
-              <a:t>4/18/2023</a:t>
+              <a:t>4/19/2023</a:t>
             </a:fld>
             <a:endParaRPr lang="en-US"/>
           </a:p>
@@ -2196,10 +2183,9 @@
           </a:lstStyle>
           <a:p>
             <a:r>
-              <a:rPr lang="en-US" smtClean="0"/>
+              <a:rPr lang="en-US"/>
               <a:t>Click to edit Master title style</a:t>
             </a:r>
-            <a:endParaRPr lang="en-US"/>
           </a:p>
         </p:txBody>
       </p:sp>
@@ -2323,7 +2309,7 @@
           <a:p>
             <a:pPr lvl="0"/>
             <a:r>
-              <a:rPr lang="en-US" smtClean="0"/>
+              <a:rPr lang="en-US"/>
               <a:t>Edit Master text styles</a:t>
             </a:r>
           </a:p>
@@ -2346,7 +2332,7 @@
           <a:p>
             <a:fld id="{ACEC195F-A83E-4C03-A88F-B02116A75498}" type="datetimeFigureOut">
               <a:rPr lang="en-US" smtClean="0"/>
-              <a:t>4/18/2023</a:t>
+              <a:t>4/19/2023</a:t>
             </a:fld>
             <a:endParaRPr lang="en-US"/>
           </a:p>
@@ -2455,10 +2441,9 @@
           <a:lstStyle/>
           <a:p>
             <a:r>
-              <a:rPr lang="en-US" smtClean="0"/>
+              <a:rPr lang="en-US"/>
               <a:t>Click to edit Master title style</a:t>
             </a:r>
-            <a:endParaRPr lang="en-US"/>
           </a:p>
         </p:txBody>
       </p:sp>
@@ -2489,38 +2474,37 @@
           <a:p>
             <a:pPr lvl="0"/>
             <a:r>
-              <a:rPr lang="en-US" smtClean="0"/>
+              <a:rPr lang="en-US"/>
               <a:t>Edit Master text styles</a:t>
             </a:r>
           </a:p>
           <a:p>
             <a:pPr lvl="1"/>
             <a:r>
-              <a:rPr lang="en-US" smtClean="0"/>
+              <a:rPr lang="en-US"/>
               <a:t>Second level</a:t>
             </a:r>
           </a:p>
           <a:p>
             <a:pPr lvl="2"/>
             <a:r>
-              <a:rPr lang="en-US" smtClean="0"/>
+              <a:rPr lang="en-US"/>
               <a:t>Third level</a:t>
             </a:r>
           </a:p>
           <a:p>
             <a:pPr lvl="3"/>
             <a:r>
-              <a:rPr lang="en-US" smtClean="0"/>
+              <a:rPr lang="en-US"/>
               <a:t>Fourth level</a:t>
             </a:r>
           </a:p>
           <a:p>
             <a:pPr lvl="4"/>
             <a:r>
-              <a:rPr lang="en-US" smtClean="0"/>
+              <a:rPr lang="en-US"/>
               <a:t>Fifth level</a:t>
             </a:r>
-            <a:endParaRPr lang="en-US"/>
           </a:p>
         </p:txBody>
       </p:sp>
@@ -2559,7 +2543,7 @@
           <a:p>
             <a:fld id="{ACEC195F-A83E-4C03-A88F-B02116A75498}" type="datetimeFigureOut">
               <a:rPr lang="en-US" smtClean="0"/>
-              <a:t>4/18/2023</a:t>
+              <a:t>4/19/2023</a:t>
             </a:fld>
             <a:endParaRPr lang="en-US"/>
           </a:p>
@@ -2974,8 +2958,8 @@
             </p:nvSpPr>
             <p:spPr>
               <a:xfrm>
-                <a:off x="984738" y="791308"/>
-                <a:ext cx="9311054" cy="6066148"/>
+                <a:off x="1440473" y="410308"/>
+                <a:ext cx="9311054" cy="6343147"/>
               </a:xfrm>
               <a:prstGeom prst="rect">
                 <a:avLst/>
@@ -2993,7 +2977,7 @@
                   <a:buAutoNum type="arabicPeriod"/>
                 </a:pPr>
                 <a:r>
-                  <a:rPr lang="en-IN" dirty="0" smtClean="0"/>
+                  <a:rPr lang="en-IN" dirty="0"/>
                   <a:t>n tasks : </a:t>
                 </a:r>
                 <a14:m>
@@ -3026,7 +3010,7 @@
                   </m:oMath>
                 </a14:m>
                 <a:r>
-                  <a:rPr lang="en-US" dirty="0" smtClean="0"/>
+                  <a:rPr lang="en-US" dirty="0"/>
                   <a:t>, </a:t>
                 </a:r>
                 <a14:m>
@@ -3052,7 +3036,7 @@
                   </m:oMath>
                 </a14:m>
                 <a:r>
-                  <a:rPr lang="en-IN" b="0" dirty="0" smtClean="0"/>
+                  <a:rPr lang="en-IN" b="0" dirty="0"/>
                   <a:t> with execution time </a:t>
                 </a:r>
                 <a14:m>
@@ -3084,7 +3068,7 @@
                     </m:sSub>
                   </m:oMath>
                 </a14:m>
-                <a:endParaRPr lang="en-IN" b="0" dirty="0" smtClean="0"/>
+                <a:endParaRPr lang="en-IN" b="0" dirty="0"/>
               </a:p>
               <a:p>
                 <a:pPr marL="342900" indent="-342900">
@@ -3092,7 +3076,7 @@
                   <a:buAutoNum type="arabicPeriod"/>
                 </a:pPr>
                 <a:r>
-                  <a:rPr lang="en-IN" dirty="0" smtClean="0"/>
+                  <a:rPr lang="en-IN" dirty="0"/>
                   <a:t>Periodicity of </a:t>
                 </a:r>
                 <a14:m>
@@ -3137,7 +3121,7 @@
                   </m:oMath>
                 </a14:m>
                 <a:r>
-                  <a:rPr lang="en-US" dirty="0" smtClean="0"/>
+                  <a:rPr lang="en-US" dirty="0"/>
                   <a:t>= </a:t>
                 </a:r>
                 <a14:m>
@@ -3189,7 +3173,7 @@
                   </m:oMath>
                 </a14:m>
                 <a:r>
-                  <a:rPr lang="en-US" dirty="0" smtClean="0"/>
+                  <a:rPr lang="en-US" dirty="0"/>
                   <a:t> with designed controller gain at this periodicity= </a:t>
                 </a:r>
                 <a14:m>
@@ -3241,7 +3225,7 @@
                     </m:sSubSup>
                   </m:oMath>
                 </a14:m>
-                <a:endParaRPr lang="en-IN" b="0" dirty="0" smtClean="0"/>
+                <a:endParaRPr lang="en-IN" b="0" dirty="0"/>
               </a:p>
               <a:p>
                 <a:pPr marL="342900" indent="-342900">
@@ -3249,7 +3233,7 @@
                   <a:buAutoNum type="arabicPeriod"/>
                 </a:pPr>
                 <a:r>
-                  <a:rPr lang="en-IN" b="0" dirty="0" smtClean="0"/>
+                  <a:rPr lang="en-IN" b="0" dirty="0"/>
                   <a:t>Consider they are schedulable in this configuration</a:t>
                 </a:r>
               </a:p>
@@ -3259,7 +3243,7 @@
                   <a:buAutoNum type="arabicPeriod"/>
                 </a:pPr>
                 <a:r>
-                  <a:rPr lang="en-IN" dirty="0" smtClean="0"/>
+                  <a:rPr lang="en-IN" dirty="0"/>
                   <a:t>Each </a:t>
                 </a:r>
                 <a14:m>
@@ -3304,7 +3288,7 @@
                   </m:oMath>
                 </a14:m>
                 <a:r>
-                  <a:rPr lang="en-US" dirty="0" smtClean="0"/>
+                  <a:rPr lang="en-US" dirty="0"/>
                   <a:t> has </a:t>
                 </a:r>
                 <a14:m>
@@ -3337,7 +3321,7 @@
                   </m:oMath>
                 </a14:m>
                 <a:r>
-                  <a:rPr lang="en-US" dirty="0" smtClean="0"/>
+                  <a:rPr lang="en-US" dirty="0"/>
                   <a:t> periodicities with </a:t>
                 </a:r>
                 <a14:m>
@@ -3389,7 +3373,7 @@
                   </m:oMath>
                 </a14:m>
                 <a:r>
-                  <a:rPr lang="en-US" dirty="0" smtClean="0"/>
+                  <a:rPr lang="en-US" dirty="0"/>
                   <a:t> LSA</a:t>
                 </a:r>
               </a:p>
@@ -3399,7 +3383,7 @@
                   <a:buAutoNum type="arabicPeriod"/>
                 </a:pPr>
                 <a:r>
-                  <a:rPr lang="en-IN" dirty="0" smtClean="0"/>
+                  <a:rPr lang="en-IN" dirty="0"/>
                   <a:t>Each LSAs are pruned in such a way that there exist no such path in LSA that leads the state trajectory of the </a:t>
                 </a:r>
                 <a14:m>
@@ -3432,7 +3416,7 @@
                   </m:oMath>
                 </a14:m>
                 <a:r>
-                  <a:rPr lang="en-US" dirty="0" smtClean="0"/>
+                  <a:rPr lang="en-US" dirty="0"/>
                   <a:t> control loop outside its </a:t>
                 </a:r>
                 <a14:m>
@@ -3500,7 +3484,7 @@
                     </m:sSub>
                   </m:oMath>
                 </a14:m>
-                <a:endParaRPr lang="en-US" dirty="0" smtClean="0"/>
+                <a:endParaRPr lang="en-US" dirty="0"/>
               </a:p>
               <a:p>
                 <a:pPr marL="342900" indent="-342900">
@@ -3508,7 +3492,7 @@
                   <a:buAutoNum type="arabicPeriod"/>
                 </a:pPr>
                 <a:r>
-                  <a:rPr lang="en-IN" dirty="0" smtClean="0"/>
+                  <a:rPr lang="en-IN" dirty="0"/>
                   <a:t>Consider their state deviations </a:t>
                 </a:r>
                 <a14:m>
@@ -3562,7 +3546,7 @@
                   </m:oMath>
                 </a14:m>
                 <a:r>
-                  <a:rPr lang="en-US" dirty="0" smtClean="0"/>
+                  <a:rPr lang="en-US" dirty="0"/>
                   <a:t> or estimation errors </a:t>
                 </a:r>
                 <a14:m>
@@ -3615,7 +3599,7 @@
                   </m:oMath>
                 </a14:m>
                 <a:r>
-                  <a:rPr lang="en-US" dirty="0" smtClean="0"/>
+                  <a:rPr lang="en-US" dirty="0"/>
                   <a:t> or decay </a:t>
                 </a:r>
                 <a14:m>
@@ -3669,7 +3653,7 @@
                   </m:oMath>
                 </a14:m>
                 <a:r>
-                  <a:rPr lang="en-US" dirty="0" smtClean="0"/>
+                  <a:rPr lang="en-US" dirty="0"/>
                   <a:t>are measured through out a hyper period</a:t>
                 </a:r>
               </a:p>
@@ -3679,7 +3663,7 @@
                   <a:buAutoNum type="arabicPeriod"/>
                 </a:pPr>
                 <a:r>
-                  <a:rPr lang="en-US" dirty="0" smtClean="0"/>
+                  <a:rPr lang="en-US" dirty="0"/>
                   <a:t>As they cross certain tolerance bound for </a:t>
                 </a:r>
                 <a14:m>
@@ -3712,7 +3696,7 @@
                   </m:oMath>
                 </a14:m>
                 <a:r>
-                  <a:rPr lang="en-US" dirty="0" smtClean="0"/>
+                  <a:rPr lang="en-US" dirty="0"/>
                   <a:t> closed loop, i.e. </a:t>
                 </a:r>
                 <a14:m>
@@ -3748,7 +3732,7 @@
                   </m:oMath>
                 </a14:m>
                 <a:r>
-                  <a:rPr lang="en-US" dirty="0" smtClean="0"/>
+                  <a:rPr lang="en-US" dirty="0"/>
                   <a:t> we decide to increase the periodicity to </a:t>
                 </a:r>
                 <a14:m>
@@ -3843,7 +3827,7 @@
                   </m:oMath>
                 </a14:m>
                 <a:r>
-                  <a:rPr lang="en-US" dirty="0" smtClean="0"/>
+                  <a:rPr lang="en-US" dirty="0"/>
                   <a:t> such that </a:t>
                 </a:r>
                 <a14:m>
@@ -3882,9 +3866,7 @@
                   </m:oMath>
                 </a14:m>
                 <a:r>
-                  <a:rPr lang="en-IN" b="0" i="0" dirty="0" smtClean="0">
-                    <a:latin typeface="+mj-lt"/>
-                  </a:rPr>
+                  <a:rPr lang="en-IN" b="0" i="0" dirty="0"/>
                   <a:t>is enough to compensate </a:t>
                 </a:r>
                 <a14:m>
@@ -3919,7 +3901,7 @@
                     </m:sSub>
                   </m:oMath>
                 </a14:m>
-                <a:endParaRPr lang="en-US" dirty="0" smtClean="0"/>
+                <a:endParaRPr lang="en-US" dirty="0"/>
               </a:p>
               <a:p>
                 <a:pPr marL="342900" indent="-342900">
@@ -3927,7 +3909,7 @@
                   <a:buAutoNum type="arabicPeriod"/>
                 </a:pPr>
                 <a:r>
-                  <a:rPr lang="en-IN" dirty="0" smtClean="0"/>
+                  <a:rPr lang="en-IN" dirty="0"/>
                   <a:t>This causes an increment in utilization </a:t>
                 </a:r>
                 <a14:m>
@@ -4352,7 +4334,7 @@
                     </m:sSub>
                   </m:oMath>
                 </a14:m>
-                <a:endParaRPr lang="en-US" dirty="0" smtClean="0"/>
+                <a:endParaRPr lang="en-US" dirty="0"/>
               </a:p>
               <a:p>
                 <a:pPr marL="342900" indent="-342900">
@@ -4367,8 +4349,8 @@
                   <a:buAutoNum type="arabicPeriod"/>
                 </a:pPr>
                 <a:r>
-                  <a:rPr lang="en-US" dirty="0" smtClean="0"/>
-                  <a:t>  create a min heap to sort the tasks so that we can select the task with minimal criticality/ least </a:t>
+                  <a:rPr lang="en-US" dirty="0"/>
+                  <a:t>Create a min heap to sort the tasks so that we can select the task with minimal criticality/ least </a:t>
                 </a:r>
                 <a14:m>
                   <m:oMath xmlns:m="http://schemas.openxmlformats.org/officeDocument/2006/math">
@@ -4402,7 +4384,7 @@
                   </m:oMath>
                 </a14:m>
                 <a:r>
-                  <a:rPr lang="en-US" dirty="0" smtClean="0"/>
+                  <a:rPr lang="en-US" dirty="0"/>
                   <a:t> etc……consider it is </a:t>
                 </a:r>
                 <a14:m>
@@ -4434,7 +4416,7 @@
                     </m:sSub>
                   </m:oMath>
                 </a14:m>
-                <a:endParaRPr lang="en-US" dirty="0" smtClean="0"/>
+                <a:endParaRPr lang="en-US" dirty="0"/>
               </a:p>
               <a:p>
                 <a:pPr marL="342900" indent="-342900">
@@ -4442,7 +4424,7 @@
                   <a:buAutoNum type="arabicPeriod"/>
                 </a:pPr>
                 <a:r>
-                  <a:rPr lang="en-US" dirty="0" smtClean="0"/>
+                  <a:rPr lang="en-US" dirty="0"/>
                   <a:t>Check whether applying maximum allowable drops in CLF compensates </a:t>
                 </a:r>
                 <a14:m>
@@ -4475,7 +4457,7 @@
                   </m:oMath>
                 </a14:m>
                 <a:r>
-                  <a:rPr lang="en-US" dirty="0" smtClean="0"/>
+                  <a:rPr lang="en-US" dirty="0"/>
                   <a:t>.</a:t>
                 </a:r>
               </a:p>
@@ -4485,7 +4467,7 @@
                   <a:buAutoNum type="arabicPeriod"/>
                 </a:pPr>
                 <a:r>
-                  <a:rPr lang="en-US" dirty="0" smtClean="0"/>
+                  <a:rPr lang="en-US" dirty="0"/>
                   <a:t>If not, try the same with the next least critical task.</a:t>
                 </a:r>
               </a:p>
@@ -4495,8 +4477,18 @@
                   <a:buAutoNum type="arabicPeriod"/>
                 </a:pPr>
                 <a:r>
-                  <a:rPr lang="en-US" dirty="0" smtClean="0"/>
-                  <a:t>If that also is not sufficient, then resort to MLF</a:t>
+                  <a:rPr lang="en-US" dirty="0"/>
+                  <a:t>If that also is not sufficient, then resort to MLF : </a:t>
+                </a:r>
+              </a:p>
+              <a:p>
+                <a:pPr marL="800100" lvl="1" indent="-342900">
+                  <a:buFont typeface="+mj-lt"/>
+                  <a:buAutoNum type="arabicPeriod"/>
+                </a:pPr>
+                <a:r>
+                  <a:rPr lang="en-US" dirty="0"/>
+                  <a:t>From the MLF Table start with the maximum drop possible and do a breadth first search </a:t>
                 </a:r>
               </a:p>
               <a:p>
@@ -4504,14 +4496,14 @@
                   <a:buFont typeface="+mj-lt"/>
                   <a:buAutoNum type="arabicPeriod"/>
                 </a:pPr>
-                <a:endParaRPr lang="en-US" dirty="0" smtClean="0"/>
+                <a:endParaRPr lang="en-US" dirty="0"/>
               </a:p>
               <a:p>
                 <a:pPr marL="342900" indent="-342900">
                   <a:buFont typeface="+mj-lt"/>
                   <a:buAutoNum type="arabicPeriod"/>
                 </a:pPr>
-                <a:endParaRPr lang="en-US" dirty="0" smtClean="0"/>
+                <a:endParaRPr lang="en-US" dirty="0"/>
               </a:p>
               <a:p>
                 <a:endParaRPr lang="en-US" dirty="0"/>
@@ -4530,8 +4522,8 @@
             </p:nvSpPr>
             <p:spPr>
               <a:xfrm>
-                <a:off x="984738" y="791308"/>
-                <a:ext cx="9311054" cy="6066148"/>
+                <a:off x="1440473" y="410308"/>
+                <a:ext cx="9311054" cy="6343147"/>
               </a:xfrm>
               <a:prstGeom prst="rect">
                 <a:avLst/>
@@ -4539,7 +4531,7 @@
               <a:blipFill>
                 <a:blip r:embed="rId2"/>
                 <a:stretch>
-                  <a:fillRect l="-589" t="-603"/>
+                  <a:fillRect l="-524" t="-480" r="-982"/>
                 </a:stretch>
               </a:blipFill>
             </p:spPr>
@@ -4548,7 +4540,7 @@
               <a:lstStyle/>
               <a:p>
                 <a:r>
-                  <a:rPr lang="en-US">
+                  <a:rPr lang="en-IN">
                     <a:noFill/>
                   </a:rPr>
                   <a:t> </a:t>
